--- a/Week_7_lists_and_testing_code/Lab_5_lists/Notes/class_feedback_p2.pptx
+++ b/Week_7_lists_and_testing_code/Lab_5_lists/Notes/class_feedback_p2.pptx
@@ -116,12 +116,20 @@
 </p:presentation>
 </file>
 
+<file path=ppt/revisionInfo.xml><?xml version="1.0" encoding="utf-8"?>
+<p1510:revInfo xmlns:a="http://schemas.openxmlformats.org/drawingml/2006/main" xmlns:r="http://schemas.openxmlformats.org/officeDocument/2006/relationships" xmlns:p1510="http://schemas.microsoft.com/office/powerpoint/2015/10/main">
+  <p1510:revLst>
+    <p1510:client id="{618477F6-C6EC-0A44-8F80-681F29ECFE82}" v="3" dt="2025-11-03T21:42:11.987"/>
+  </p1510:revLst>
+</p1510:revInfo>
+</file>
+
 <file path=ppt/changesInfos/changesInfo1.xml><?xml version="1.0" encoding="utf-8"?>
 <pc:chgInfo xmlns:a="http://schemas.openxmlformats.org/drawingml/2006/main" xmlns:r="http://schemas.openxmlformats.org/officeDocument/2006/relationships" xmlns:ac="http://schemas.microsoft.com/office/drawing/2013/main/command" xmlns:pc="http://schemas.microsoft.com/office/powerpoint/2013/main/command">
   <pc:docChgLst>
     <pc:chgData name="Hemma Philamore" userId="db50e2f3-17b2-4cc0-b719-fb6254d3e9df" providerId="ADAL" clId="{B5D85944-D90A-5912-90C6-4C26E424D3D6}"/>
-    <pc:docChg chg="modSld">
-      <pc:chgData name="Hemma Philamore" userId="db50e2f3-17b2-4cc0-b719-fb6254d3e9df" providerId="ADAL" clId="{B5D85944-D90A-5912-90C6-4C26E424D3D6}" dt="2025-10-30T14:07:47.916" v="1" actId="20577"/>
+    <pc:docChg chg="custSel modSld">
+      <pc:chgData name="Hemma Philamore" userId="db50e2f3-17b2-4cc0-b719-fb6254d3e9df" providerId="ADAL" clId="{B5D85944-D90A-5912-90C6-4C26E424D3D6}" dt="2025-11-03T21:48:12.578" v="1233"/>
       <pc:docMkLst>
         <pc:docMk/>
       </pc:docMkLst>
@@ -139,6 +147,106 @@
             <ac:spMk id="3" creationId="{03A3551D-7CA3-5AB0-39EF-198932E5476C}"/>
           </ac:spMkLst>
         </pc:spChg>
+      </pc:sldChg>
+      <pc:sldChg chg="modSp mod">
+        <pc:chgData name="Hemma Philamore" userId="db50e2f3-17b2-4cc0-b719-fb6254d3e9df" providerId="ADAL" clId="{B5D85944-D90A-5912-90C6-4C26E424D3D6}" dt="2025-11-03T21:21:21.139" v="1139" actId="14100"/>
+        <pc:sldMkLst>
+          <pc:docMk/>
+          <pc:sldMk cId="2487737980" sldId="257"/>
+        </pc:sldMkLst>
+        <pc:spChg chg="mod">
+          <ac:chgData name="Hemma Philamore" userId="db50e2f3-17b2-4cc0-b719-fb6254d3e9df" providerId="ADAL" clId="{B5D85944-D90A-5912-90C6-4C26E424D3D6}" dt="2025-11-03T21:21:21.139" v="1139" actId="14100"/>
+          <ac:spMkLst>
+            <pc:docMk/>
+            <pc:sldMk cId="2487737980" sldId="257"/>
+            <ac:spMk id="3" creationId="{21FA5A27-0203-3CE4-6F54-5B417162A7E6}"/>
+          </ac:spMkLst>
+        </pc:spChg>
+      </pc:sldChg>
+      <pc:sldChg chg="modSp mod">
+        <pc:chgData name="Hemma Philamore" userId="db50e2f3-17b2-4cc0-b719-fb6254d3e9df" providerId="ADAL" clId="{B5D85944-D90A-5912-90C6-4C26E424D3D6}" dt="2025-11-03T21:48:12.578" v="1233"/>
+        <pc:sldMkLst>
+          <pc:docMk/>
+          <pc:sldMk cId="891917443" sldId="258"/>
+        </pc:sldMkLst>
+        <pc:spChg chg="mod">
+          <ac:chgData name="Hemma Philamore" userId="db50e2f3-17b2-4cc0-b719-fb6254d3e9df" providerId="ADAL" clId="{B5D85944-D90A-5912-90C6-4C26E424D3D6}" dt="2025-11-03T21:21:29.445" v="1154" actId="20577"/>
+          <ac:spMkLst>
+            <pc:docMk/>
+            <pc:sldMk cId="891917443" sldId="258"/>
+            <ac:spMk id="2" creationId="{94C8EAB0-084D-CD37-0CDA-6EDFEF0F5B9D}"/>
+          </ac:spMkLst>
+        </pc:spChg>
+        <pc:spChg chg="mod">
+          <ac:chgData name="Hemma Philamore" userId="db50e2f3-17b2-4cc0-b719-fb6254d3e9df" providerId="ADAL" clId="{B5D85944-D90A-5912-90C6-4C26E424D3D6}" dt="2025-11-03T21:48:12.578" v="1233"/>
+          <ac:spMkLst>
+            <pc:docMk/>
+            <pc:sldMk cId="891917443" sldId="258"/>
+            <ac:spMk id="6" creationId="{B3F95B9A-9D81-46BF-8C52-5AD5135B194F}"/>
+          </ac:spMkLst>
+        </pc:spChg>
+      </pc:sldChg>
+      <pc:sldChg chg="addSp delSp modSp mod">
+        <pc:chgData name="Hemma Philamore" userId="db50e2f3-17b2-4cc0-b719-fb6254d3e9df" providerId="ADAL" clId="{B5D85944-D90A-5912-90C6-4C26E424D3D6}" dt="2025-11-03T21:42:26.938" v="1169" actId="1076"/>
+        <pc:sldMkLst>
+          <pc:docMk/>
+          <pc:sldMk cId="4141873657" sldId="259"/>
+        </pc:sldMkLst>
+        <pc:spChg chg="mod">
+          <ac:chgData name="Hemma Philamore" userId="db50e2f3-17b2-4cc0-b719-fb6254d3e9df" providerId="ADAL" clId="{B5D85944-D90A-5912-90C6-4C26E424D3D6}" dt="2025-11-03T21:42:26.938" v="1169" actId="1076"/>
+          <ac:spMkLst>
+            <pc:docMk/>
+            <pc:sldMk cId="4141873657" sldId="259"/>
+            <ac:spMk id="2" creationId="{EE698D0B-7C12-D1A7-C61F-BA4591E6B3F9}"/>
+          </ac:spMkLst>
+        </pc:spChg>
+        <pc:picChg chg="add mod">
+          <ac:chgData name="Hemma Philamore" userId="db50e2f3-17b2-4cc0-b719-fb6254d3e9df" providerId="ADAL" clId="{B5D85944-D90A-5912-90C6-4C26E424D3D6}" dt="2025-11-03T21:42:21.810" v="1168" actId="1076"/>
+          <ac:picMkLst>
+            <pc:docMk/>
+            <pc:sldMk cId="4141873657" sldId="259"/>
+            <ac:picMk id="3" creationId="{EDE2B690-9558-F40E-BAF9-8E9A3DFC6A29}"/>
+          </ac:picMkLst>
+        </pc:picChg>
+        <pc:picChg chg="del">
+          <ac:chgData name="Hemma Philamore" userId="db50e2f3-17b2-4cc0-b719-fb6254d3e9df" providerId="ADAL" clId="{B5D85944-D90A-5912-90C6-4C26E424D3D6}" dt="2025-11-03T21:42:11.538" v="1164" actId="478"/>
+          <ac:picMkLst>
+            <pc:docMk/>
+            <pc:sldMk cId="4141873657" sldId="259"/>
+            <ac:picMk id="4" creationId="{AA8F1387-00FB-6B05-8A0D-591DF481A9B5}"/>
+          </ac:picMkLst>
+        </pc:picChg>
+      </pc:sldChg>
+      <pc:sldChg chg="addSp delSp modSp mod">
+        <pc:chgData name="Hemma Philamore" userId="db50e2f3-17b2-4cc0-b719-fb6254d3e9df" providerId="ADAL" clId="{B5D85944-D90A-5912-90C6-4C26E424D3D6}" dt="2025-11-03T21:43:17.629" v="1175" actId="14100"/>
+        <pc:sldMkLst>
+          <pc:docMk/>
+          <pc:sldMk cId="2185035827" sldId="260"/>
+        </pc:sldMkLst>
+        <pc:spChg chg="mod">
+          <ac:chgData name="Hemma Philamore" userId="db50e2f3-17b2-4cc0-b719-fb6254d3e9df" providerId="ADAL" clId="{B5D85944-D90A-5912-90C6-4C26E424D3D6}" dt="2025-11-03T21:42:37.813" v="1172" actId="1076"/>
+          <ac:spMkLst>
+            <pc:docMk/>
+            <pc:sldMk cId="2185035827" sldId="260"/>
+            <ac:spMk id="2" creationId="{2C7CC6CB-50E9-4A32-03A3-7960581DFC88}"/>
+          </ac:spMkLst>
+        </pc:spChg>
+        <pc:picChg chg="add mod modCrop">
+          <ac:chgData name="Hemma Philamore" userId="db50e2f3-17b2-4cc0-b719-fb6254d3e9df" providerId="ADAL" clId="{B5D85944-D90A-5912-90C6-4C26E424D3D6}" dt="2025-11-03T21:43:17.629" v="1175" actId="14100"/>
+          <ac:picMkLst>
+            <pc:docMk/>
+            <pc:sldMk cId="2185035827" sldId="260"/>
+            <ac:picMk id="3" creationId="{3ED477AB-4D6A-8CAF-C52B-6FF56527935B}"/>
+          </ac:picMkLst>
+        </pc:picChg>
+        <pc:picChg chg="del">
+          <ac:chgData name="Hemma Philamore" userId="db50e2f3-17b2-4cc0-b719-fb6254d3e9df" providerId="ADAL" clId="{B5D85944-D90A-5912-90C6-4C26E424D3D6}" dt="2025-11-03T21:40:32.894" v="1158" actId="478"/>
+          <ac:picMkLst>
+            <pc:docMk/>
+            <pc:sldMk cId="2185035827" sldId="260"/>
+            <ac:picMk id="4" creationId="{AFCBD017-0197-D7D3-DB5A-1AE76B9E4CF5}"/>
+          </ac:picMkLst>
+        </pc:picChg>
       </pc:sldChg>
     </pc:docChg>
   </pc:docChgLst>
@@ -318,7 +426,7 @@
           <a:p>
             <a:fld id="{833D10A3-DE19-134E-BCD6-CB10F3183C39}" type="datetimeFigureOut">
               <a:rPr lang="en-US" smtClean="0"/>
-              <a:t>10/30/25</a:t>
+              <a:t>10/31/25</a:t>
             </a:fld>
             <a:endParaRPr lang="en-US"/>
           </a:p>
@@ -518,7 +626,7 @@
           <a:p>
             <a:fld id="{833D10A3-DE19-134E-BCD6-CB10F3183C39}" type="datetimeFigureOut">
               <a:rPr lang="en-US" smtClean="0"/>
-              <a:t>10/30/25</a:t>
+              <a:t>10/31/25</a:t>
             </a:fld>
             <a:endParaRPr lang="en-US"/>
           </a:p>
@@ -728,7 +836,7 @@
           <a:p>
             <a:fld id="{833D10A3-DE19-134E-BCD6-CB10F3183C39}" type="datetimeFigureOut">
               <a:rPr lang="en-US" smtClean="0"/>
-              <a:t>10/30/25</a:t>
+              <a:t>10/31/25</a:t>
             </a:fld>
             <a:endParaRPr lang="en-US"/>
           </a:p>
@@ -928,7 +1036,7 @@
           <a:p>
             <a:fld id="{833D10A3-DE19-134E-BCD6-CB10F3183C39}" type="datetimeFigureOut">
               <a:rPr lang="en-US" smtClean="0"/>
-              <a:t>10/30/25</a:t>
+              <a:t>10/31/25</a:t>
             </a:fld>
             <a:endParaRPr lang="en-US"/>
           </a:p>
@@ -1204,7 +1312,7 @@
           <a:p>
             <a:fld id="{833D10A3-DE19-134E-BCD6-CB10F3183C39}" type="datetimeFigureOut">
               <a:rPr lang="en-US" smtClean="0"/>
-              <a:t>10/30/25</a:t>
+              <a:t>10/31/25</a:t>
             </a:fld>
             <a:endParaRPr lang="en-US"/>
           </a:p>
@@ -1472,7 +1580,7 @@
           <a:p>
             <a:fld id="{833D10A3-DE19-134E-BCD6-CB10F3183C39}" type="datetimeFigureOut">
               <a:rPr lang="en-US" smtClean="0"/>
-              <a:t>10/30/25</a:t>
+              <a:t>10/31/25</a:t>
             </a:fld>
             <a:endParaRPr lang="en-US"/>
           </a:p>
@@ -1887,7 +1995,7 @@
           <a:p>
             <a:fld id="{833D10A3-DE19-134E-BCD6-CB10F3183C39}" type="datetimeFigureOut">
               <a:rPr lang="en-US" smtClean="0"/>
-              <a:t>10/30/25</a:t>
+              <a:t>10/31/25</a:t>
             </a:fld>
             <a:endParaRPr lang="en-US"/>
           </a:p>
@@ -2029,7 +2137,7 @@
           <a:p>
             <a:fld id="{833D10A3-DE19-134E-BCD6-CB10F3183C39}" type="datetimeFigureOut">
               <a:rPr lang="en-US" smtClean="0"/>
-              <a:t>10/30/25</a:t>
+              <a:t>10/31/25</a:t>
             </a:fld>
             <a:endParaRPr lang="en-US"/>
           </a:p>
@@ -2142,7 +2250,7 @@
           <a:p>
             <a:fld id="{833D10A3-DE19-134E-BCD6-CB10F3183C39}" type="datetimeFigureOut">
               <a:rPr lang="en-US" smtClean="0"/>
-              <a:t>10/30/25</a:t>
+              <a:t>10/31/25</a:t>
             </a:fld>
             <a:endParaRPr lang="en-US"/>
           </a:p>
@@ -2455,7 +2563,7 @@
           <a:p>
             <a:fld id="{833D10A3-DE19-134E-BCD6-CB10F3183C39}" type="datetimeFigureOut">
               <a:rPr lang="en-US" smtClean="0"/>
-              <a:t>10/30/25</a:t>
+              <a:t>10/31/25</a:t>
             </a:fld>
             <a:endParaRPr lang="en-US"/>
           </a:p>
@@ -2744,7 +2852,7 @@
           <a:p>
             <a:fld id="{833D10A3-DE19-134E-BCD6-CB10F3183C39}" type="datetimeFigureOut">
               <a:rPr lang="en-US" smtClean="0"/>
-              <a:t>10/30/25</a:t>
+              <a:t>10/31/25</a:t>
             </a:fld>
             <a:endParaRPr lang="en-US"/>
           </a:p>
@@ -2987,7 +3095,7 @@
           <a:p>
             <a:fld id="{833D10A3-DE19-134E-BCD6-CB10F3183C39}" type="datetimeFigureOut">
               <a:rPr lang="en-US" smtClean="0"/>
-              <a:t>10/30/25</a:t>
+              <a:t>10/31/25</a:t>
             </a:fld>
             <a:endParaRPr lang="en-US"/>
           </a:p>
@@ -3534,74 +3642,56 @@
             <p:ph idx="1"/>
           </p:nvPr>
         </p:nvSpPr>
-        <p:spPr/>
+        <p:spPr>
+          <a:xfrm>
+            <a:off x="838201" y="1825625"/>
+            <a:ext cx="9764485" cy="4351338"/>
+          </a:xfrm>
+        </p:spPr>
         <p:txBody>
           <a:bodyPr>
-            <a:normAutofit lnSpcReduction="10000"/>
+            <a:normAutofit/>
           </a:bodyPr>
           <a:lstStyle/>
           <a:p>
             <a:r>
-              <a:rPr lang="en-US" dirty="0"/>
-              <a:t>Most of you got this exercise correct- well done!</a:t>
-            </a:r>
-          </a:p>
-          <a:p>
-            <a:r>
-              <a:rPr lang="en-US" dirty="0"/>
-              <a:t>Mistakes fell into one of three classes:</a:t>
-            </a:r>
-          </a:p>
-          <a:p>
-            <a:pPr lvl="1"/>
-            <a:r>
-              <a:rPr lang="en-US" dirty="0"/>
-              <a:t>Small misinterpretations of what we were asking – don’t’ worry too much about this! With time, experience and feedback, this will get easier.</a:t>
-            </a:r>
-          </a:p>
-          <a:p>
-            <a:pPr lvl="1"/>
-            <a:r>
-              <a:rPr lang="en-US" dirty="0"/>
-              <a:t>Incorrect derivation of the kinematic equations – again, don’t worry too much about this. We’re more interested in coding that </a:t>
-            </a:r>
-            <a:r>
-              <a:rPr lang="en-US" dirty="0" err="1"/>
-              <a:t>maths</a:t>
-            </a:r>
-            <a:r>
-              <a:rPr lang="en-US" dirty="0"/>
-              <a:t> here.</a:t>
-            </a:r>
-          </a:p>
-          <a:p>
-            <a:pPr lvl="1"/>
-            <a:r>
-              <a:rPr lang="en-US" dirty="0"/>
-              <a:t>Incorrect calculations due to operator precedence – </a:t>
-            </a:r>
-            <a:r>
-              <a:rPr lang="en-US" dirty="0" err="1"/>
-              <a:t>i.e</a:t>
-            </a:r>
-            <a:r>
-              <a:rPr lang="en-US" dirty="0"/>
-              <a:t> not using brackets to ensure the correct sequence of operations is performed.</a:t>
-            </a:r>
-          </a:p>
-          <a:p>
-            <a:r>
-              <a:rPr lang="en-US" dirty="0"/>
-              <a:t>For those who did get it correct, remember that we also need to think about the </a:t>
-            </a:r>
-            <a:r>
-              <a:rPr lang="en-US" i="1" dirty="0"/>
-              <a:t>readability</a:t>
-            </a:r>
-            <a:r>
-              <a:rPr lang="en-US" dirty="0"/>
-              <a:t> of your code. We’ll cover this fully in a future seminar, but do think carefully about e.g. what you call your variables. </a:t>
-            </a:r>
+              <a:rPr lang="en-US" sz="2200" dirty="0"/>
+              <a:t>About half of you got this exercise correct</a:t>
+            </a:r>
+          </a:p>
+          <a:p>
+            <a:endParaRPr lang="en-US" sz="2200" dirty="0"/>
+          </a:p>
+          <a:p>
+            <a:r>
+              <a:rPr lang="en-US" sz="2200" dirty="0"/>
+              <a:t>Lots of you explored using functions within your code – well done! </a:t>
+            </a:r>
+          </a:p>
+          <a:p>
+            <a:endParaRPr lang="en-US" sz="2200" dirty="0"/>
+          </a:p>
+          <a:p>
+            <a:r>
+              <a:rPr lang="en-US" sz="2200" dirty="0"/>
+              <a:t>There was some confusion about what the question was asking you to do</a:t>
+            </a:r>
+          </a:p>
+          <a:p>
+            <a:endParaRPr lang="en-US" sz="2200" dirty="0"/>
+          </a:p>
+          <a:p>
+            <a:r>
+              <a:rPr lang="en-US" sz="2200" dirty="0"/>
+              <a:t>There was some confusion about how to use functions – we will practice more this week.</a:t>
+            </a:r>
+            <a:endParaRPr lang="en-US" sz="5500" dirty="0"/>
+          </a:p>
+          <a:p>
+            <a:endParaRPr lang="en-US" sz="5500" dirty="0"/>
+          </a:p>
+          <a:p>
+            <a:endParaRPr lang="en-US" dirty="0"/>
           </a:p>
           <a:p>
             <a:pPr lvl="1"/>
@@ -3662,7 +3752,7 @@
           <a:p>
             <a:r>
               <a:rPr lang="en-US" dirty="0"/>
-              <a:t>If-then-else structure</a:t>
+              <a:t>Functions</a:t>
             </a:r>
           </a:p>
         </p:txBody>
@@ -3682,7 +3772,7 @@
         <p:spPr>
           <a:xfrm>
             <a:off x="838200" y="1690688"/>
-            <a:ext cx="10671629" cy="2677656"/>
+            <a:ext cx="10671629" cy="3046988"/>
           </a:xfrm>
           <a:prstGeom prst="rect">
             <a:avLst/>
@@ -3697,7 +3787,16 @@
           <a:p>
             <a:r>
               <a:rPr lang="en-US" sz="2400" dirty="0"/>
-              <a:t>The following two slides each have a section of code that was submitted by a CPA student for their portfolio exercise. Both submissions appear to be correct, but I prefer one submission to the other. </a:t>
+              <a:t>The following two slides each have a section of code that was submitted by a CPA student for their portfolio exercise. </a:t>
+            </a:r>
+          </a:p>
+          <a:p>
+            <a:endParaRPr lang="en-US" sz="2400" dirty="0"/>
+          </a:p>
+          <a:p>
+            <a:r>
+              <a:rPr lang="en-US" sz="2400" dirty="0"/>
+              <a:t>Both submissions generate the correct result, but I prefer one over the other. </a:t>
             </a:r>
           </a:p>
           <a:p>
@@ -3723,7 +3822,7 @@
             </a:r>
             <a:r>
               <a:rPr lang="en-US" sz="2400" dirty="0"/>
-              <a:t> with code 4341 5972</a:t>
+              <a:t> with code 8756 1676</a:t>
             </a:r>
           </a:p>
         </p:txBody>
@@ -3780,7 +3879,12 @@
             <p:ph type="title"/>
           </p:nvPr>
         </p:nvSpPr>
-        <p:spPr/>
+        <p:spPr>
+          <a:xfrm>
+            <a:off x="8361219" y="0"/>
+            <a:ext cx="10515600" cy="1325563"/>
+          </a:xfrm>
+        </p:spPr>
         <p:txBody>
           <a:bodyPr/>
           <a:lstStyle/>
@@ -3794,10 +3898,10 @@
       </p:sp>
       <p:pic>
         <p:nvPicPr>
-          <p:cNvPr id="4" name="Picture 3">
-            <a:extLst>
-              <a:ext uri="{FF2B5EF4-FFF2-40B4-BE49-F238E27FC236}">
-                <a16:creationId xmlns:a16="http://schemas.microsoft.com/office/drawing/2014/main" id="{AFCBD017-0197-D7D3-DB5A-1AE76B9E4CF5}"/>
+          <p:cNvPr id="3" name="Picture 2">
+            <a:extLst>
+              <a:ext uri="{FF2B5EF4-FFF2-40B4-BE49-F238E27FC236}">
+                <a16:creationId xmlns:a16="http://schemas.microsoft.com/office/drawing/2014/main" id="{3ED477AB-4D6A-8CAF-C52B-6FF56527935B}"/>
               </a:ext>
             </a:extLst>
           </p:cNvPr>
@@ -3808,14 +3912,15 @@
         </p:nvPicPr>
         <p:blipFill>
           <a:blip r:embed="rId2"/>
+          <a:srcRect t="21593"/>
           <a:stretch>
             <a:fillRect/>
           </a:stretch>
         </p:blipFill>
         <p:spPr>
           <a:xfrm>
-            <a:off x="838199" y="1916793"/>
-            <a:ext cx="9517391" cy="4576082"/>
+            <a:off x="636879" y="471055"/>
+            <a:ext cx="5833194" cy="5968342"/>
           </a:xfrm>
           <a:prstGeom prst="rect">
             <a:avLst/>
@@ -3874,7 +3979,12 @@
             <p:ph type="title"/>
           </p:nvPr>
         </p:nvSpPr>
-        <p:spPr/>
+        <p:spPr>
+          <a:xfrm>
+            <a:off x="8319654" y="143453"/>
+            <a:ext cx="10515600" cy="1325563"/>
+          </a:xfrm>
+        </p:spPr>
         <p:txBody>
           <a:bodyPr/>
           <a:lstStyle/>
@@ -3888,10 +3998,10 @@
       </p:sp>
       <p:pic>
         <p:nvPicPr>
-          <p:cNvPr id="4" name="Picture 3" descr="A screen shot of a computer program&#10;&#10;AI-generated content may be incorrect.">
-            <a:extLst>
-              <a:ext uri="{FF2B5EF4-FFF2-40B4-BE49-F238E27FC236}">
-                <a16:creationId xmlns:a16="http://schemas.microsoft.com/office/drawing/2014/main" id="{AA8F1387-00FB-6B05-8A0D-591DF481A9B5}"/>
+          <p:cNvPr id="3" name="Picture 2">
+            <a:extLst>
+              <a:ext uri="{FF2B5EF4-FFF2-40B4-BE49-F238E27FC236}">
+                <a16:creationId xmlns:a16="http://schemas.microsoft.com/office/drawing/2014/main" id="{EDE2B690-9558-F40E-BAF9-8E9A3DFC6A29}"/>
               </a:ext>
             </a:extLst>
           </p:cNvPr>
@@ -3908,8 +4018,8 @@
         </p:blipFill>
         <p:spPr>
           <a:xfrm>
-            <a:off x="838200" y="1690688"/>
-            <a:ext cx="6520543" cy="4761031"/>
+            <a:off x="256309" y="525445"/>
+            <a:ext cx="7772400" cy="6028781"/>
           </a:xfrm>
           <a:prstGeom prst="rect">
             <a:avLst/>
